--- a/fuentes/contenidos/grado10/guion17/CN_10_17_CO.pptx
+++ b/fuentes/contenidos/grado10/guion17/CN_10_17_CO.pptx
@@ -208,7 +208,7 @@
           <a:p>
             <a:fld id="{E53E54BF-0661-416B-AA59-78F2173944B7}" type="datetimeFigureOut">
               <a:rPr lang="es-ES" smtClean="0"/>
-              <a:t>12/07/2016</a:t>
+              <a:t>14/07/2016</a:t>
             </a:fld>
             <a:endParaRPr lang="es-ES"/>
           </a:p>
@@ -738,7 +738,7 @@
           <a:p>
             <a:fld id="{09CA2E0C-4B6D-4B31-8CD2-31ACC80AECD6}" type="datetimeFigureOut">
               <a:rPr lang="es-ES" smtClean="0"/>
-              <a:t>12/07/2016</a:t>
+              <a:t>14/07/2016</a:t>
             </a:fld>
             <a:endParaRPr lang="es-ES"/>
           </a:p>
@@ -906,7 +906,7 @@
           <a:p>
             <a:fld id="{09CA2E0C-4B6D-4B31-8CD2-31ACC80AECD6}" type="datetimeFigureOut">
               <a:rPr lang="es-ES" smtClean="0"/>
-              <a:t>12/07/2016</a:t>
+              <a:t>14/07/2016</a:t>
             </a:fld>
             <a:endParaRPr lang="es-ES"/>
           </a:p>
@@ -1084,7 +1084,7 @@
           <a:p>
             <a:fld id="{09CA2E0C-4B6D-4B31-8CD2-31ACC80AECD6}" type="datetimeFigureOut">
               <a:rPr lang="es-ES" smtClean="0"/>
-              <a:t>12/07/2016</a:t>
+              <a:t>14/07/2016</a:t>
             </a:fld>
             <a:endParaRPr lang="es-ES"/>
           </a:p>
@@ -1252,7 +1252,7 @@
           <a:p>
             <a:fld id="{09CA2E0C-4B6D-4B31-8CD2-31ACC80AECD6}" type="datetimeFigureOut">
               <a:rPr lang="es-ES" smtClean="0"/>
-              <a:t>12/07/2016</a:t>
+              <a:t>14/07/2016</a:t>
             </a:fld>
             <a:endParaRPr lang="es-ES"/>
           </a:p>
@@ -1497,7 +1497,7 @@
           <a:p>
             <a:fld id="{09CA2E0C-4B6D-4B31-8CD2-31ACC80AECD6}" type="datetimeFigureOut">
               <a:rPr lang="es-ES" smtClean="0"/>
-              <a:t>12/07/2016</a:t>
+              <a:t>14/07/2016</a:t>
             </a:fld>
             <a:endParaRPr lang="es-ES"/>
           </a:p>
@@ -1782,7 +1782,7 @@
           <a:p>
             <a:fld id="{09CA2E0C-4B6D-4B31-8CD2-31ACC80AECD6}" type="datetimeFigureOut">
               <a:rPr lang="es-ES" smtClean="0"/>
-              <a:t>12/07/2016</a:t>
+              <a:t>14/07/2016</a:t>
             </a:fld>
             <a:endParaRPr lang="es-ES"/>
           </a:p>
@@ -2201,7 +2201,7 @@
           <a:p>
             <a:fld id="{09CA2E0C-4B6D-4B31-8CD2-31ACC80AECD6}" type="datetimeFigureOut">
               <a:rPr lang="es-ES" smtClean="0"/>
-              <a:t>12/07/2016</a:t>
+              <a:t>14/07/2016</a:t>
             </a:fld>
             <a:endParaRPr lang="es-ES"/>
           </a:p>
@@ -2318,7 +2318,7 @@
           <a:p>
             <a:fld id="{09CA2E0C-4B6D-4B31-8CD2-31ACC80AECD6}" type="datetimeFigureOut">
               <a:rPr lang="es-ES" smtClean="0"/>
-              <a:t>12/07/2016</a:t>
+              <a:t>14/07/2016</a:t>
             </a:fld>
             <a:endParaRPr lang="es-ES"/>
           </a:p>
@@ -2413,7 +2413,7 @@
           <a:p>
             <a:fld id="{09CA2E0C-4B6D-4B31-8CD2-31ACC80AECD6}" type="datetimeFigureOut">
               <a:rPr lang="es-ES" smtClean="0"/>
-              <a:t>12/07/2016</a:t>
+              <a:t>14/07/2016</a:t>
             </a:fld>
             <a:endParaRPr lang="es-ES"/>
           </a:p>
@@ -2688,7 +2688,7 @@
           <a:p>
             <a:fld id="{09CA2E0C-4B6D-4B31-8CD2-31ACC80AECD6}" type="datetimeFigureOut">
               <a:rPr lang="es-ES" smtClean="0"/>
-              <a:t>12/07/2016</a:t>
+              <a:t>14/07/2016</a:t>
             </a:fld>
             <a:endParaRPr lang="es-ES"/>
           </a:p>
@@ -2940,7 +2940,7 @@
           <a:p>
             <a:fld id="{09CA2E0C-4B6D-4B31-8CD2-31ACC80AECD6}" type="datetimeFigureOut">
               <a:rPr lang="es-ES" smtClean="0"/>
-              <a:t>12/07/2016</a:t>
+              <a:t>14/07/2016</a:t>
             </a:fld>
             <a:endParaRPr lang="es-ES"/>
           </a:p>
@@ -3151,7 +3151,7 @@
           <a:p>
             <a:fld id="{09CA2E0C-4B6D-4B31-8CD2-31ACC80AECD6}" type="datetimeFigureOut">
               <a:rPr lang="es-ES" smtClean="0"/>
-              <a:t>12/07/2016</a:t>
+              <a:t>14/07/2016</a:t>
             </a:fld>
             <a:endParaRPr lang="es-ES"/>
           </a:p>
@@ -3776,8 +3776,13 @@
             <a:pPr algn="ctr"/>
             <a:r>
               <a:rPr lang="es-ES" sz="1000" dirty="0"/>
-              <a:t>1ra. ley de la Inercia</a:t>
-            </a:r>
+              <a:t>1ra. ley de la </a:t>
+            </a:r>
+            <a:r>
+              <a:rPr lang="es-ES" sz="1000" dirty="0" smtClean="0"/>
+              <a:t>inercia</a:t>
+            </a:r>
+            <a:endParaRPr lang="es-ES" sz="1000" dirty="0"/>
           </a:p>
         </p:txBody>
       </p:sp>
@@ -3789,7 +3794,7 @@
         </p:nvSpPr>
         <p:spPr>
           <a:xfrm>
-            <a:off x="1680672" y="2636912"/>
+            <a:off x="1759986" y="2675723"/>
             <a:ext cx="1465912" cy="400110"/>
           </a:xfrm>
           <a:prstGeom prst="rect">
@@ -4009,8 +4014,8 @@
         </p:nvSpPr>
         <p:spPr>
           <a:xfrm>
-            <a:off x="2018616" y="4334523"/>
-            <a:ext cx="774000" cy="370800"/>
+            <a:off x="2018616" y="4404507"/>
+            <a:ext cx="774000" cy="230832"/>
           </a:xfrm>
           <a:prstGeom prst="rect">
             <a:avLst/>
@@ -4037,8 +4042,13 @@
           <a:p>
             <a:r>
               <a:rPr lang="es-ES" sz="900" dirty="0"/>
-              <a:t>Aceleración</a:t>
-            </a:r>
+              <a:t>a</a:t>
+            </a:r>
+            <a:r>
+              <a:rPr lang="es-ES" sz="900" dirty="0" smtClean="0"/>
+              <a:t>celeración</a:t>
+            </a:r>
+            <a:endParaRPr lang="es-ES" sz="900" dirty="0"/>
           </a:p>
         </p:txBody>
       </p:sp>
@@ -4112,7 +4122,15 @@
             <a:pPr algn="ctr"/>
             <a:r>
               <a:rPr lang="es-ES" sz="1000" dirty="0"/>
-              <a:t>Fuerza aplicada de un cuerpo sobre otro</a:t>
+              <a:t>f</a:t>
+            </a:r>
+            <a:r>
+              <a:rPr lang="es-ES" sz="1000" dirty="0" smtClean="0"/>
+              <a:t>uerza </a:t>
+            </a:r>
+            <a:r>
+              <a:rPr lang="es-ES" sz="1000" dirty="0"/>
+              <a:t>aplicada de un cuerpo sobre otro</a:t>
             </a:r>
           </a:p>
         </p:txBody>
@@ -4147,7 +4165,15 @@
             <a:pPr algn="ctr"/>
             <a:r>
               <a:rPr lang="es-ES" sz="1000" dirty="0"/>
-              <a:t>Par de fuerzas</a:t>
+              <a:t>p</a:t>
+            </a:r>
+            <a:r>
+              <a:rPr lang="es-ES" sz="1000" dirty="0" smtClean="0"/>
+              <a:t>ar </a:t>
+            </a:r>
+            <a:r>
+              <a:rPr lang="es-ES" sz="1000" dirty="0"/>
+              <a:t>de fuerzas</a:t>
             </a:r>
           </a:p>
         </p:txBody>
@@ -4194,7 +4220,15 @@
             </a:pPr>
             <a:r>
               <a:rPr lang="es-ES" sz="900" dirty="0"/>
-              <a:t>Igual magnitud</a:t>
+              <a:t>i</a:t>
+            </a:r>
+            <a:r>
+              <a:rPr lang="es-ES" sz="900" dirty="0" smtClean="0"/>
+              <a:t>gual </a:t>
+            </a:r>
+            <a:r>
+              <a:rPr lang="es-ES" sz="900" dirty="0"/>
+              <a:t>magnitud</a:t>
             </a:r>
           </a:p>
           <a:p>
@@ -4283,7 +4317,15 @@
             <a:pPr algn="ctr"/>
             <a:r>
               <a:rPr lang="es-ES" sz="1000" dirty="0"/>
-              <a:t>Producto vectorial</a:t>
+              <a:t>p</a:t>
+            </a:r>
+            <a:r>
+              <a:rPr lang="es-ES" sz="1000" dirty="0" smtClean="0"/>
+              <a:t>roducto </a:t>
+            </a:r>
+            <a:r>
+              <a:rPr lang="es-ES" sz="1000" dirty="0"/>
+              <a:t>vectorial</a:t>
             </a:r>
           </a:p>
         </p:txBody>
@@ -4318,7 +4360,23 @@
             <a:pPr algn="ctr"/>
             <a:r>
               <a:rPr lang="es-ES" sz="1000" dirty="0"/>
-              <a:t>Fuerza aplicada y  distancia respecto a un punto de referencia</a:t>
+              <a:t>f</a:t>
+            </a:r>
+            <a:r>
+              <a:rPr lang="es-ES" sz="1000" dirty="0" smtClean="0"/>
+              <a:t>uerza </a:t>
+            </a:r>
+            <a:r>
+              <a:rPr lang="es-ES" sz="1000" dirty="0"/>
+              <a:t>aplicada y </a:t>
+            </a:r>
+            <a:r>
+              <a:rPr lang="es-ES" sz="1000" dirty="0" smtClean="0"/>
+              <a:t>distancia </a:t>
+            </a:r>
+            <a:r>
+              <a:rPr lang="es-ES" sz="1000" dirty="0"/>
+              <a:t>respecto a un punto de referencia</a:t>
             </a:r>
           </a:p>
         </p:txBody>
@@ -4415,8 +4473,8 @@
         </p:nvSpPr>
         <p:spPr>
           <a:xfrm>
-            <a:off x="7550749" y="5022755"/>
-            <a:ext cx="774000" cy="230832"/>
+            <a:off x="7550749" y="4953505"/>
+            <a:ext cx="774000" cy="369332"/>
           </a:xfrm>
           <a:prstGeom prst="rect">
             <a:avLst/>
@@ -4443,8 +4501,13 @@
           <a:p>
             <a:r>
               <a:rPr lang="es-ES" sz="900" dirty="0"/>
-              <a:t>Las palancas</a:t>
-            </a:r>
+              <a:t>l</a:t>
+            </a:r>
+            <a:r>
+              <a:rPr lang="es-ES" sz="900" dirty="0" smtClean="0"/>
+              <a:t>as palancas que son</a:t>
+            </a:r>
+            <a:endParaRPr lang="es-ES" sz="900" dirty="0"/>
           </a:p>
         </p:txBody>
       </p:sp>
@@ -4478,7 +4541,15 @@
             <a:pPr algn="ctr"/>
             <a:r>
               <a:rPr lang="es-ES" sz="1000" dirty="0"/>
-              <a:t>Máquinas simples usadas para transmitir una fuerza de un punto a otro, aumentando su magnitud</a:t>
+              <a:t>m</a:t>
+            </a:r>
+            <a:r>
+              <a:rPr lang="es-ES" sz="1000" dirty="0" smtClean="0"/>
+              <a:t>áquinas </a:t>
+            </a:r>
+            <a:r>
+              <a:rPr lang="es-ES" sz="1000" dirty="0"/>
+              <a:t>simples usadas para transmitir una fuerza de un punto a otro, aumentando su magnitud</a:t>
             </a:r>
           </a:p>
         </p:txBody>
@@ -5044,8 +5115,8 @@
         </p:nvCxnSpPr>
         <p:spPr>
           <a:xfrm rot="16200000" flipH="1">
-            <a:off x="7138482" y="4223488"/>
-            <a:ext cx="440678" cy="1157855"/>
+            <a:off x="7173107" y="4188863"/>
+            <a:ext cx="371428" cy="1157855"/>
           </a:xfrm>
           <a:prstGeom prst="bentConnector3">
             <a:avLst/>
@@ -5114,8 +5185,8 @@
         </p:nvCxnSpPr>
         <p:spPr>
           <a:xfrm rot="5400000">
-            <a:off x="7855290" y="5334198"/>
-            <a:ext cx="163070" cy="1848"/>
+            <a:off x="7841007" y="5417731"/>
+            <a:ext cx="191636" cy="1848"/>
           </a:xfrm>
           <a:prstGeom prst="bentConnector3">
             <a:avLst/>
@@ -5189,9 +5260,9 @@
           <p:nvPr/>
         </p:nvCxnSpPr>
         <p:spPr>
-          <a:xfrm rot="5400000">
-            <a:off x="2199782" y="2423066"/>
-            <a:ext cx="427692" cy="12700"/>
+          <a:xfrm rot="16200000" flipH="1">
+            <a:off x="2220034" y="2402814"/>
+            <a:ext cx="466503" cy="79314"/>
           </a:xfrm>
           <a:prstGeom prst="bentConnector3">
             <a:avLst/>
@@ -5334,9 +5405,9 @@
           <p:nvPr/>
         </p:nvCxnSpPr>
         <p:spPr>
-          <a:xfrm rot="16200000" flipH="1">
-            <a:off x="2175715" y="3274934"/>
-            <a:ext cx="482176" cy="6351"/>
+          <a:xfrm rot="5400000">
+            <a:off x="2234779" y="3261034"/>
+            <a:ext cx="443365" cy="72963"/>
           </a:xfrm>
           <a:prstGeom prst="bentConnector3">
             <a:avLst/>
@@ -5507,8 +5578,8 @@
         </p:nvCxnSpPr>
         <p:spPr>
           <a:xfrm rot="5400000">
-            <a:off x="2205191" y="4119734"/>
-            <a:ext cx="415215" cy="14363"/>
+            <a:off x="2170199" y="4154726"/>
+            <a:ext cx="485199" cy="14363"/>
           </a:xfrm>
           <a:prstGeom prst="bentConnector3">
             <a:avLst/>
@@ -5937,8 +6008,12 @@
           <a:p>
             <a:pPr algn="ctr"/>
             <a:r>
+              <a:rPr lang="es-ES" sz="900" dirty="0" smtClean="0"/>
+              <a:t>mantiene </a:t>
+            </a:r>
+            <a:r>
               <a:rPr lang="es-ES" sz="900" dirty="0"/>
-              <a:t>manteniendo una relación </a:t>
+              <a:t>una relación </a:t>
             </a:r>
           </a:p>
         </p:txBody>
@@ -5985,7 +6060,15 @@
             </a:pPr>
             <a:r>
               <a:rPr lang="es-ES" sz="900" dirty="0"/>
-              <a:t>Directamente proporcional con la fuerza</a:t>
+              <a:t>d</a:t>
+            </a:r>
+            <a:r>
+              <a:rPr lang="es-ES" sz="900" dirty="0" smtClean="0"/>
+              <a:t>irectamente </a:t>
+            </a:r>
+            <a:r>
+              <a:rPr lang="es-ES" sz="900" dirty="0"/>
+              <a:t>proporcional con la fuerza</a:t>
             </a:r>
           </a:p>
           <a:p>
@@ -5995,7 +6078,15 @@
             </a:pPr>
             <a:r>
               <a:rPr lang="es-ES" sz="900" dirty="0"/>
-              <a:t>Inversamente proporcional con la masa</a:t>
+              <a:t>i</a:t>
+            </a:r>
+            <a:r>
+              <a:rPr lang="es-ES" sz="900" dirty="0" smtClean="0"/>
+              <a:t>nversamente </a:t>
+            </a:r>
+            <a:r>
+              <a:rPr lang="es-ES" sz="900" dirty="0"/>
+              <a:t>proporcional con la masa</a:t>
             </a:r>
           </a:p>
         </p:txBody>
